--- a/analysis/plots/fig4_supp1.pptx
+++ b/analysis/plots/fig4_supp1.pptx
@@ -104,6 +104,11 @@
       </a:defRPr>
     </a:lvl9pPr>
   </p:defaultTextStyle>
+  <p:extLst>
+    <p:ext uri="{EFAFB233-063F-42B5-8137-9DF3F51BA10A}">
+      <p15:sldGuideLst xmlns:p15="http://schemas.microsoft.com/office/powerpoint/2012/main"/>
+    </p:ext>
+  </p:extLst>
 </p:presentation>
 </file>
 
@@ -238,7 +243,7 @@
           <a:p>
             <a:fld id="{34595914-59D0-734E-982B-0757CFBD4256}" type="datetimeFigureOut">
               <a:rPr lang="en-US" smtClean="0"/>
-              <a:t>7/30/21</a:t>
+              <a:t>9/9/21</a:t>
             </a:fld>
             <a:endParaRPr lang="en-US"/>
           </a:p>
@@ -408,7 +413,7 @@
           <a:p>
             <a:fld id="{34595914-59D0-734E-982B-0757CFBD4256}" type="datetimeFigureOut">
               <a:rPr lang="en-US" smtClean="0"/>
-              <a:t>7/30/21</a:t>
+              <a:t>9/9/21</a:t>
             </a:fld>
             <a:endParaRPr lang="en-US"/>
           </a:p>
@@ -588,7 +593,7 @@
           <a:p>
             <a:fld id="{34595914-59D0-734E-982B-0757CFBD4256}" type="datetimeFigureOut">
               <a:rPr lang="en-US" smtClean="0"/>
-              <a:t>7/30/21</a:t>
+              <a:t>9/9/21</a:t>
             </a:fld>
             <a:endParaRPr lang="en-US"/>
           </a:p>
@@ -758,7 +763,7 @@
           <a:p>
             <a:fld id="{34595914-59D0-734E-982B-0757CFBD4256}" type="datetimeFigureOut">
               <a:rPr lang="en-US" smtClean="0"/>
-              <a:t>7/30/21</a:t>
+              <a:t>9/9/21</a:t>
             </a:fld>
             <a:endParaRPr lang="en-US"/>
           </a:p>
@@ -1002,7 +1007,7 @@
           <a:p>
             <a:fld id="{34595914-59D0-734E-982B-0757CFBD4256}" type="datetimeFigureOut">
               <a:rPr lang="en-US" smtClean="0"/>
-              <a:t>7/30/21</a:t>
+              <a:t>9/9/21</a:t>
             </a:fld>
             <a:endParaRPr lang="en-US"/>
           </a:p>
@@ -1234,7 +1239,7 @@
           <a:p>
             <a:fld id="{34595914-59D0-734E-982B-0757CFBD4256}" type="datetimeFigureOut">
               <a:rPr lang="en-US" smtClean="0"/>
-              <a:t>7/30/21</a:t>
+              <a:t>9/9/21</a:t>
             </a:fld>
             <a:endParaRPr lang="en-US"/>
           </a:p>
@@ -1601,7 +1606,7 @@
           <a:p>
             <a:fld id="{34595914-59D0-734E-982B-0757CFBD4256}" type="datetimeFigureOut">
               <a:rPr lang="en-US" smtClean="0"/>
-              <a:t>7/30/21</a:t>
+              <a:t>9/9/21</a:t>
             </a:fld>
             <a:endParaRPr lang="en-US"/>
           </a:p>
@@ -1719,7 +1724,7 @@
           <a:p>
             <a:fld id="{34595914-59D0-734E-982B-0757CFBD4256}" type="datetimeFigureOut">
               <a:rPr lang="en-US" smtClean="0"/>
-              <a:t>7/30/21</a:t>
+              <a:t>9/9/21</a:t>
             </a:fld>
             <a:endParaRPr lang="en-US"/>
           </a:p>
@@ -1814,7 +1819,7 @@
           <a:p>
             <a:fld id="{34595914-59D0-734E-982B-0757CFBD4256}" type="datetimeFigureOut">
               <a:rPr lang="en-US" smtClean="0"/>
-              <a:t>7/30/21</a:t>
+              <a:t>9/9/21</a:t>
             </a:fld>
             <a:endParaRPr lang="en-US"/>
           </a:p>
@@ -2091,7 +2096,7 @@
           <a:p>
             <a:fld id="{34595914-59D0-734E-982B-0757CFBD4256}" type="datetimeFigureOut">
               <a:rPr lang="en-US" smtClean="0"/>
-              <a:t>7/30/21</a:t>
+              <a:t>9/9/21</a:t>
             </a:fld>
             <a:endParaRPr lang="en-US"/>
           </a:p>
@@ -2348,7 +2353,7 @@
           <a:p>
             <a:fld id="{34595914-59D0-734E-982B-0757CFBD4256}" type="datetimeFigureOut">
               <a:rPr lang="en-US" smtClean="0"/>
-              <a:t>7/30/21</a:t>
+              <a:t>9/9/21</a:t>
             </a:fld>
             <a:endParaRPr lang="en-US"/>
           </a:p>
@@ -2561,7 +2566,7 @@
           <a:p>
             <a:fld id="{34595914-59D0-734E-982B-0757CFBD4256}" type="datetimeFigureOut">
               <a:rPr lang="en-US" smtClean="0"/>
-              <a:t>7/30/21</a:t>
+              <a:t>9/9/21</a:t>
             </a:fld>
             <a:endParaRPr lang="en-US"/>
           </a:p>
@@ -2996,6 +3001,816 @@
           </a:prstGeom>
         </p:spPr>
       </p:pic>
+      <p:sp>
+        <p:nvSpPr>
+          <p:cNvPr id="20" name="Rectangle 19">
+            <a:extLst>
+              <a:ext uri="{FF2B5EF4-FFF2-40B4-BE49-F238E27FC236}">
+                <a16:creationId xmlns:a16="http://schemas.microsoft.com/office/drawing/2014/main" id="{364B3EA6-185E-6944-B643-A9C1AC99DC18}"/>
+              </a:ext>
+            </a:extLst>
+          </p:cNvPr>
+          <p:cNvSpPr/>
+          <p:nvPr/>
+        </p:nvSpPr>
+        <p:spPr>
+          <a:xfrm>
+            <a:off x="152590" y="1600922"/>
+            <a:ext cx="383013" cy="463745"/>
+          </a:xfrm>
+          <a:prstGeom prst="rect">
+            <a:avLst/>
+          </a:prstGeom>
+          <a:solidFill>
+            <a:schemeClr val="bg1"/>
+          </a:solidFill>
+          <a:ln>
+            <a:solidFill>
+              <a:schemeClr val="bg1"/>
+            </a:solidFill>
+          </a:ln>
+        </p:spPr>
+        <p:style>
+          <a:lnRef idx="2">
+            <a:schemeClr val="accent1">
+              <a:shade val="50000"/>
+            </a:schemeClr>
+          </a:lnRef>
+          <a:fillRef idx="1">
+            <a:schemeClr val="accent1"/>
+          </a:fillRef>
+          <a:effectRef idx="0">
+            <a:schemeClr val="accent1"/>
+          </a:effectRef>
+          <a:fontRef idx="minor">
+            <a:schemeClr val="lt1"/>
+          </a:fontRef>
+        </p:style>
+        <p:txBody>
+          <a:bodyPr rtlCol="0" anchor="ctr"/>
+          <a:lstStyle/>
+          <a:p>
+            <a:pPr algn="ctr"/>
+            <a:endParaRPr lang="en-US"/>
+          </a:p>
+        </p:txBody>
+      </p:sp>
+      <p:grpSp>
+        <p:nvGrpSpPr>
+          <p:cNvPr id="3" name="Group 2">
+            <a:extLst>
+              <a:ext uri="{FF2B5EF4-FFF2-40B4-BE49-F238E27FC236}">
+                <a16:creationId xmlns:a16="http://schemas.microsoft.com/office/drawing/2014/main" id="{64161FA6-DB98-EE42-80AD-0DE03085929C}"/>
+              </a:ext>
+            </a:extLst>
+          </p:cNvPr>
+          <p:cNvGrpSpPr/>
+          <p:nvPr/>
+        </p:nvGrpSpPr>
+        <p:grpSpPr>
+          <a:xfrm>
+            <a:off x="7218" y="495253"/>
+            <a:ext cx="1612942" cy="5103607"/>
+            <a:chOff x="52938" y="495253"/>
+            <a:chExt cx="1612942" cy="5103607"/>
+          </a:xfrm>
+        </p:grpSpPr>
+        <p:sp>
+          <p:nvSpPr>
+            <p:cNvPr id="2" name="TextBox 1">
+              <a:extLst>
+                <a:ext uri="{FF2B5EF4-FFF2-40B4-BE49-F238E27FC236}">
+                  <a16:creationId xmlns:a16="http://schemas.microsoft.com/office/drawing/2014/main" id="{B90E43ED-271C-0D40-AB7C-819F1224BC79}"/>
+                </a:ext>
+              </a:extLst>
+            </p:cNvPr>
+            <p:cNvSpPr txBox="1"/>
+            <p:nvPr/>
+          </p:nvSpPr>
+          <p:spPr>
+            <a:xfrm rot="-2400000">
+              <a:off x="52938" y="1134103"/>
+              <a:ext cx="1612942" cy="276999"/>
+            </a:xfrm>
+            <a:prstGeom prst="rect">
+              <a:avLst/>
+            </a:prstGeom>
+            <a:solidFill>
+              <a:schemeClr val="bg1"/>
+            </a:solidFill>
+          </p:spPr>
+          <p:txBody>
+            <a:bodyPr wrap="none" rtlCol="0">
+              <a:spAutoFit/>
+            </a:bodyPr>
+            <a:lstStyle/>
+            <a:p>
+              <a:pPr algn="r"/>
+              <a:r>
+                <a:rPr lang="en-US" sz="1100" dirty="0">
+                  <a:latin typeface="Arial" panose="020B0604020202020204" pitchFamily="34" charset="0"/>
+                  <a:cs typeface="Arial" panose="020B0604020202020204" pitchFamily="34" charset="0"/>
+                </a:rPr>
+                <a:t>ORF1a:</a:t>
+              </a:r>
+              <a:r>
+                <a:rPr lang="en-US" sz="1200" dirty="0">
+                  <a:latin typeface="Arial" panose="020B0604020202020204" pitchFamily="34" charset="0"/>
+                  <a:cs typeface="Arial" panose="020B0604020202020204" pitchFamily="34" charset="0"/>
+                </a:rPr>
+                <a:t>3675-3677del</a:t>
+              </a:r>
+            </a:p>
+          </p:txBody>
+        </p:sp>
+        <p:sp>
+          <p:nvSpPr>
+            <p:cNvPr id="4" name="TextBox 3">
+              <a:extLst>
+                <a:ext uri="{FF2B5EF4-FFF2-40B4-BE49-F238E27FC236}">
+                  <a16:creationId xmlns:a16="http://schemas.microsoft.com/office/drawing/2014/main" id="{A2016E3A-011E-404E-B8BB-6873227F2719}"/>
+                </a:ext>
+              </a:extLst>
+            </p:cNvPr>
+            <p:cNvSpPr txBox="1"/>
+            <p:nvPr/>
+          </p:nvSpPr>
+          <p:spPr>
+            <a:xfrm rot="19200000">
+              <a:off x="880883" y="495253"/>
+              <a:ext cx="675185" cy="276999"/>
+            </a:xfrm>
+            <a:prstGeom prst="rect">
+              <a:avLst/>
+            </a:prstGeom>
+            <a:solidFill>
+              <a:schemeClr val="bg1"/>
+            </a:solidFill>
+          </p:spPr>
+          <p:txBody>
+            <a:bodyPr wrap="none" rtlCol="0">
+              <a:spAutoFit/>
+            </a:bodyPr>
+            <a:lstStyle/>
+            <a:p>
+              <a:pPr algn="r"/>
+              <a:r>
+                <a:rPr lang="en-US" sz="1100" dirty="0">
+                  <a:latin typeface="Arial" panose="020B0604020202020204" pitchFamily="34" charset="0"/>
+                  <a:cs typeface="Arial" panose="020B0604020202020204" pitchFamily="34" charset="0"/>
+                </a:rPr>
+                <a:t>S:</a:t>
+              </a:r>
+              <a:r>
+                <a:rPr lang="en-US" sz="1200" dirty="0">
+                  <a:latin typeface="Arial" panose="020B0604020202020204" pitchFamily="34" charset="0"/>
+                  <a:cs typeface="Arial" panose="020B0604020202020204" pitchFamily="34" charset="0"/>
+                </a:rPr>
+                <a:t>484K</a:t>
+              </a:r>
+            </a:p>
+          </p:txBody>
+        </p:sp>
+        <p:sp>
+          <p:nvSpPr>
+            <p:cNvPr id="6" name="TextBox 5">
+              <a:extLst>
+                <a:ext uri="{FF2B5EF4-FFF2-40B4-BE49-F238E27FC236}">
+                  <a16:creationId xmlns:a16="http://schemas.microsoft.com/office/drawing/2014/main" id="{C2C56FED-6665-4E47-B639-D6B4BC777C89}"/>
+                </a:ext>
+              </a:extLst>
+            </p:cNvPr>
+            <p:cNvSpPr txBox="1"/>
+            <p:nvPr/>
+          </p:nvSpPr>
+          <p:spPr>
+            <a:xfrm rot="-2400000">
+              <a:off x="539865" y="1265610"/>
+              <a:ext cx="1061509" cy="276999"/>
+            </a:xfrm>
+            <a:prstGeom prst="rect">
+              <a:avLst/>
+            </a:prstGeom>
+            <a:solidFill>
+              <a:schemeClr val="bg1"/>
+            </a:solidFill>
+          </p:spPr>
+          <p:txBody>
+            <a:bodyPr wrap="none" rtlCol="0">
+              <a:spAutoFit/>
+            </a:bodyPr>
+            <a:lstStyle/>
+            <a:p>
+              <a:pPr algn="r"/>
+              <a:r>
+                <a:rPr lang="en-US" sz="1100" dirty="0">
+                  <a:latin typeface="Arial" panose="020B0604020202020204" pitchFamily="34" charset="0"/>
+                  <a:cs typeface="Arial" panose="020B0604020202020204" pitchFamily="34" charset="0"/>
+                </a:rPr>
+                <a:t>ORF1a:</a:t>
+              </a:r>
+              <a:r>
+                <a:rPr lang="en-US" sz="1200" dirty="0">
+                  <a:latin typeface="Arial" panose="020B0604020202020204" pitchFamily="34" charset="0"/>
+                  <a:cs typeface="Arial" panose="020B0604020202020204" pitchFamily="34" charset="0"/>
+                </a:rPr>
+                <a:t>3255I</a:t>
+              </a:r>
+            </a:p>
+          </p:txBody>
+        </p:sp>
+        <p:sp>
+          <p:nvSpPr>
+            <p:cNvPr id="7" name="TextBox 6">
+              <a:extLst>
+                <a:ext uri="{FF2B5EF4-FFF2-40B4-BE49-F238E27FC236}">
+                  <a16:creationId xmlns:a16="http://schemas.microsoft.com/office/drawing/2014/main" id="{0E770BC3-BD4D-4D4E-A626-EE0ACC0D6591}"/>
+                </a:ext>
+              </a:extLst>
+            </p:cNvPr>
+            <p:cNvSpPr txBox="1"/>
+            <p:nvPr/>
+          </p:nvSpPr>
+          <p:spPr>
+            <a:xfrm rot="-2400000">
+              <a:off x="926294" y="1462423"/>
+              <a:ext cx="623889" cy="276999"/>
+            </a:xfrm>
+            <a:prstGeom prst="rect">
+              <a:avLst/>
+            </a:prstGeom>
+            <a:solidFill>
+              <a:schemeClr val="bg1"/>
+            </a:solidFill>
+          </p:spPr>
+          <p:txBody>
+            <a:bodyPr wrap="none" rtlCol="0">
+              <a:spAutoFit/>
+            </a:bodyPr>
+            <a:lstStyle/>
+            <a:p>
+              <a:pPr algn="r"/>
+              <a:r>
+                <a:rPr lang="en-US" sz="1100" dirty="0">
+                  <a:latin typeface="Arial" panose="020B0604020202020204" pitchFamily="34" charset="0"/>
+                  <a:cs typeface="Arial" panose="020B0604020202020204" pitchFamily="34" charset="0"/>
+                </a:rPr>
+                <a:t>N:</a:t>
+              </a:r>
+              <a:r>
+                <a:rPr lang="en-US" sz="1200" dirty="0">
+                  <a:latin typeface="Arial" panose="020B0604020202020204" pitchFamily="34" charset="0"/>
+                  <a:cs typeface="Arial" panose="020B0604020202020204" pitchFamily="34" charset="0"/>
+                </a:rPr>
+                <a:t>234I</a:t>
+              </a:r>
+            </a:p>
+          </p:txBody>
+        </p:sp>
+        <p:sp>
+          <p:nvSpPr>
+            <p:cNvPr id="8" name="TextBox 7">
+              <a:extLst>
+                <a:ext uri="{FF2B5EF4-FFF2-40B4-BE49-F238E27FC236}">
+                  <a16:creationId xmlns:a16="http://schemas.microsoft.com/office/drawing/2014/main" id="{82F626B9-C67F-614F-8D11-12CB3B904E16}"/>
+                </a:ext>
+              </a:extLst>
+            </p:cNvPr>
+            <p:cNvSpPr txBox="1"/>
+            <p:nvPr/>
+          </p:nvSpPr>
+          <p:spPr>
+            <a:xfrm rot="-2400000">
+              <a:off x="494456" y="1926168"/>
+              <a:ext cx="1112805" cy="276999"/>
+            </a:xfrm>
+            <a:prstGeom prst="rect">
+              <a:avLst/>
+            </a:prstGeom>
+            <a:solidFill>
+              <a:schemeClr val="bg1"/>
+            </a:solidFill>
+          </p:spPr>
+          <p:txBody>
+            <a:bodyPr wrap="none" rtlCol="0">
+              <a:spAutoFit/>
+            </a:bodyPr>
+            <a:lstStyle/>
+            <a:p>
+              <a:pPr algn="r"/>
+              <a:r>
+                <a:rPr lang="en-US" sz="1100" dirty="0">
+                  <a:latin typeface="Arial" panose="020B0604020202020204" pitchFamily="34" charset="0"/>
+                  <a:cs typeface="Arial" panose="020B0604020202020204" pitchFamily="34" charset="0"/>
+                </a:rPr>
+                <a:t>ORF1a:</a:t>
+              </a:r>
+              <a:r>
+                <a:rPr lang="en-US" sz="1200" dirty="0">
+                  <a:latin typeface="Arial" panose="020B0604020202020204" pitchFamily="34" charset="0"/>
+                  <a:cs typeface="Arial" panose="020B0604020202020204" pitchFamily="34" charset="0"/>
+                </a:rPr>
+                <a:t>3606F</a:t>
+              </a:r>
+            </a:p>
+          </p:txBody>
+        </p:sp>
+        <p:sp>
+          <p:nvSpPr>
+            <p:cNvPr id="9" name="TextBox 8">
+              <a:extLst>
+                <a:ext uri="{FF2B5EF4-FFF2-40B4-BE49-F238E27FC236}">
+                  <a16:creationId xmlns:a16="http://schemas.microsoft.com/office/drawing/2014/main" id="{DDAA01C1-4D08-E54D-9C44-A17437305646}"/>
+                </a:ext>
+              </a:extLst>
+            </p:cNvPr>
+            <p:cNvSpPr txBox="1"/>
+            <p:nvPr/>
+          </p:nvSpPr>
+          <p:spPr>
+            <a:xfrm rot="-2400000">
+              <a:off x="1028794" y="2076723"/>
+              <a:ext cx="513282" cy="261610"/>
+            </a:xfrm>
+            <a:prstGeom prst="rect">
+              <a:avLst/>
+            </a:prstGeom>
+            <a:solidFill>
+              <a:schemeClr val="bg1"/>
+            </a:solidFill>
+          </p:spPr>
+          <p:txBody>
+            <a:bodyPr wrap="none" rtlCol="0">
+              <a:spAutoFit/>
+            </a:bodyPr>
+            <a:lstStyle/>
+            <a:p>
+              <a:pPr algn="r"/>
+              <a:r>
+                <a:rPr lang="en-US" sz="1100" dirty="0">
+                  <a:latin typeface="Arial" panose="020B0604020202020204" pitchFamily="34" charset="0"/>
+                  <a:cs typeface="Arial" panose="020B0604020202020204" pitchFamily="34" charset="0"/>
+                </a:rPr>
+                <a:t>S:95I</a:t>
+              </a:r>
+              <a:endParaRPr lang="en-US" sz="1200" dirty="0">
+                <a:latin typeface="Arial" panose="020B0604020202020204" pitchFamily="34" charset="0"/>
+                <a:cs typeface="Arial" panose="020B0604020202020204" pitchFamily="34" charset="0"/>
+              </a:endParaRPr>
+            </a:p>
+          </p:txBody>
+        </p:sp>
+        <p:sp>
+          <p:nvSpPr>
+            <p:cNvPr id="10" name="TextBox 9">
+              <a:extLst>
+                <a:ext uri="{FF2B5EF4-FFF2-40B4-BE49-F238E27FC236}">
+                  <a16:creationId xmlns:a16="http://schemas.microsoft.com/office/drawing/2014/main" id="{1F846B94-9F5F-0F4F-B0BF-27C54604CFD6}"/>
+                </a:ext>
+              </a:extLst>
+            </p:cNvPr>
+            <p:cNvSpPr txBox="1"/>
+            <p:nvPr/>
+          </p:nvSpPr>
+          <p:spPr>
+            <a:xfrm rot="-2400000">
+              <a:off x="902873" y="2451499"/>
+              <a:ext cx="655950" cy="261610"/>
+            </a:xfrm>
+            <a:prstGeom prst="rect">
+              <a:avLst/>
+            </a:prstGeom>
+            <a:solidFill>
+              <a:schemeClr val="bg1"/>
+            </a:solidFill>
+          </p:spPr>
+          <p:txBody>
+            <a:bodyPr wrap="none" rtlCol="0">
+              <a:spAutoFit/>
+            </a:bodyPr>
+            <a:lstStyle/>
+            <a:p>
+              <a:pPr algn="r"/>
+              <a:r>
+                <a:rPr lang="en-US" sz="1100" dirty="0">
+                  <a:latin typeface="Arial" panose="020B0604020202020204" pitchFamily="34" charset="0"/>
+                  <a:cs typeface="Arial" panose="020B0604020202020204" pitchFamily="34" charset="0"/>
+                </a:rPr>
+                <a:t>S:452R</a:t>
+              </a:r>
+              <a:endParaRPr lang="en-US" sz="1200" dirty="0">
+                <a:latin typeface="Arial" panose="020B0604020202020204" pitchFamily="34" charset="0"/>
+                <a:cs typeface="Arial" panose="020B0604020202020204" pitchFamily="34" charset="0"/>
+              </a:endParaRPr>
+            </a:p>
+          </p:txBody>
+        </p:sp>
+        <p:sp>
+          <p:nvSpPr>
+            <p:cNvPr id="11" name="TextBox 10">
+              <a:extLst>
+                <a:ext uri="{FF2B5EF4-FFF2-40B4-BE49-F238E27FC236}">
+                  <a16:creationId xmlns:a16="http://schemas.microsoft.com/office/drawing/2014/main" id="{088F3057-4098-A048-9683-92897FD101F2}"/>
+                </a:ext>
+              </a:extLst>
+            </p:cNvPr>
+            <p:cNvSpPr txBox="1"/>
+            <p:nvPr/>
+          </p:nvSpPr>
+          <p:spPr>
+            <a:xfrm rot="-2400000">
+              <a:off x="890500" y="3091444"/>
+              <a:ext cx="655950" cy="261610"/>
+            </a:xfrm>
+            <a:prstGeom prst="rect">
+              <a:avLst/>
+            </a:prstGeom>
+            <a:solidFill>
+              <a:schemeClr val="bg1"/>
+            </a:solidFill>
+          </p:spPr>
+          <p:txBody>
+            <a:bodyPr wrap="none" rtlCol="0">
+              <a:spAutoFit/>
+            </a:bodyPr>
+            <a:lstStyle/>
+            <a:p>
+              <a:pPr algn="r"/>
+              <a:r>
+                <a:rPr lang="en-US" sz="1100" dirty="0">
+                  <a:latin typeface="Arial" panose="020B0604020202020204" pitchFamily="34" charset="0"/>
+                  <a:cs typeface="Arial" panose="020B0604020202020204" pitchFamily="34" charset="0"/>
+                </a:rPr>
+                <a:t>S:681R</a:t>
+              </a:r>
+              <a:endParaRPr lang="en-US" sz="1200" dirty="0">
+                <a:latin typeface="Arial" panose="020B0604020202020204" pitchFamily="34" charset="0"/>
+                <a:cs typeface="Arial" panose="020B0604020202020204" pitchFamily="34" charset="0"/>
+              </a:endParaRPr>
+            </a:p>
+          </p:txBody>
+        </p:sp>
+        <p:sp>
+          <p:nvSpPr>
+            <p:cNvPr id="12" name="TextBox 11">
+              <a:extLst>
+                <a:ext uri="{FF2B5EF4-FFF2-40B4-BE49-F238E27FC236}">
+                  <a16:creationId xmlns:a16="http://schemas.microsoft.com/office/drawing/2014/main" id="{D29993F1-DC75-4B44-9B27-B8638EA37802}"/>
+                </a:ext>
+              </a:extLst>
+            </p:cNvPr>
+            <p:cNvSpPr txBox="1"/>
+            <p:nvPr/>
+          </p:nvSpPr>
+          <p:spPr>
+            <a:xfrm rot="-2400000">
+              <a:off x="916970" y="2764393"/>
+              <a:ext cx="639920" cy="261610"/>
+            </a:xfrm>
+            <a:prstGeom prst="rect">
+              <a:avLst/>
+            </a:prstGeom>
+            <a:solidFill>
+              <a:schemeClr val="bg1"/>
+            </a:solidFill>
+          </p:spPr>
+          <p:txBody>
+            <a:bodyPr wrap="none" rtlCol="0">
+              <a:spAutoFit/>
+            </a:bodyPr>
+            <a:lstStyle/>
+            <a:p>
+              <a:pPr algn="r"/>
+              <a:r>
+                <a:rPr lang="en-US" sz="1100" dirty="0">
+                  <a:latin typeface="Arial" panose="020B0604020202020204" pitchFamily="34" charset="0"/>
+                  <a:cs typeface="Arial" panose="020B0604020202020204" pitchFamily="34" charset="0"/>
+                </a:rPr>
+                <a:t>N:194L</a:t>
+              </a:r>
+              <a:endParaRPr lang="en-US" sz="1200" dirty="0">
+                <a:latin typeface="Arial" panose="020B0604020202020204" pitchFamily="34" charset="0"/>
+                <a:cs typeface="Arial" panose="020B0604020202020204" pitchFamily="34" charset="0"/>
+              </a:endParaRPr>
+            </a:p>
+          </p:txBody>
+        </p:sp>
+        <p:sp>
+          <p:nvSpPr>
+            <p:cNvPr id="13" name="TextBox 12">
+              <a:extLst>
+                <a:ext uri="{FF2B5EF4-FFF2-40B4-BE49-F238E27FC236}">
+                  <a16:creationId xmlns:a16="http://schemas.microsoft.com/office/drawing/2014/main" id="{9936FBD1-57FB-3E4D-B3FC-7944D16C1D56}"/>
+                </a:ext>
+              </a:extLst>
+            </p:cNvPr>
+            <p:cNvSpPr txBox="1"/>
+            <p:nvPr/>
+          </p:nvSpPr>
+          <p:spPr>
+            <a:xfrm rot="-2400000">
+              <a:off x="710734" y="3476446"/>
+              <a:ext cx="859531" cy="261610"/>
+            </a:xfrm>
+            <a:prstGeom prst="rect">
+              <a:avLst/>
+            </a:prstGeom>
+            <a:solidFill>
+              <a:schemeClr val="bg1"/>
+            </a:solidFill>
+          </p:spPr>
+          <p:txBody>
+            <a:bodyPr wrap="none" rtlCol="0">
+              <a:spAutoFit/>
+            </a:bodyPr>
+            <a:lstStyle/>
+            <a:p>
+              <a:pPr algn="r"/>
+              <a:r>
+                <a:rPr lang="en-US" sz="1100" dirty="0">
+                  <a:latin typeface="Arial" panose="020B0604020202020204" pitchFamily="34" charset="0"/>
+                  <a:cs typeface="Arial" panose="020B0604020202020204" pitchFamily="34" charset="0"/>
+                </a:rPr>
+                <a:t>S:69/70del</a:t>
+              </a:r>
+              <a:endParaRPr lang="en-US" sz="1200" dirty="0">
+                <a:latin typeface="Arial" panose="020B0604020202020204" pitchFamily="34" charset="0"/>
+                <a:cs typeface="Arial" panose="020B0604020202020204" pitchFamily="34" charset="0"/>
+              </a:endParaRPr>
+            </a:p>
+          </p:txBody>
+        </p:sp>
+        <p:sp>
+          <p:nvSpPr>
+            <p:cNvPr id="14" name="TextBox 13">
+              <a:extLst>
+                <a:ext uri="{FF2B5EF4-FFF2-40B4-BE49-F238E27FC236}">
+                  <a16:creationId xmlns:a16="http://schemas.microsoft.com/office/drawing/2014/main" id="{1B5574BE-8C83-5747-BD48-4B1C2A825DA2}"/>
+                </a:ext>
+              </a:extLst>
+            </p:cNvPr>
+            <p:cNvSpPr txBox="1"/>
+            <p:nvPr/>
+          </p:nvSpPr>
+          <p:spPr>
+            <a:xfrm rot="-2400000">
+              <a:off x="910888" y="3726237"/>
+              <a:ext cx="639920" cy="261610"/>
+            </a:xfrm>
+            <a:prstGeom prst="rect">
+              <a:avLst/>
+            </a:prstGeom>
+            <a:solidFill>
+              <a:schemeClr val="bg1"/>
+            </a:solidFill>
+          </p:spPr>
+          <p:txBody>
+            <a:bodyPr wrap="none" rtlCol="0">
+              <a:spAutoFit/>
+            </a:bodyPr>
+            <a:lstStyle/>
+            <a:p>
+              <a:pPr algn="r"/>
+              <a:r>
+                <a:rPr lang="en-US" sz="1100" dirty="0">
+                  <a:latin typeface="Arial" panose="020B0604020202020204" pitchFamily="34" charset="0"/>
+                  <a:cs typeface="Arial" panose="020B0604020202020204" pitchFamily="34" charset="0"/>
+                </a:rPr>
+                <a:t>N:199L</a:t>
+              </a:r>
+              <a:endParaRPr lang="en-US" sz="1200" dirty="0">
+                <a:latin typeface="Arial" panose="020B0604020202020204" pitchFamily="34" charset="0"/>
+                <a:cs typeface="Arial" panose="020B0604020202020204" pitchFamily="34" charset="0"/>
+              </a:endParaRPr>
+            </a:p>
+          </p:txBody>
+        </p:sp>
+        <p:sp>
+          <p:nvSpPr>
+            <p:cNvPr id="15" name="TextBox 14">
+              <a:extLst>
+                <a:ext uri="{FF2B5EF4-FFF2-40B4-BE49-F238E27FC236}">
+                  <a16:creationId xmlns:a16="http://schemas.microsoft.com/office/drawing/2014/main" id="{BA139811-13B7-474F-B7B2-995D503AE264}"/>
+                </a:ext>
+              </a:extLst>
+            </p:cNvPr>
+            <p:cNvSpPr txBox="1"/>
+            <p:nvPr/>
+          </p:nvSpPr>
+          <p:spPr>
+            <a:xfrm rot="-2400000">
+              <a:off x="952357" y="4045560"/>
+              <a:ext cx="599844" cy="261610"/>
+            </a:xfrm>
+            <a:prstGeom prst="rect">
+              <a:avLst/>
+            </a:prstGeom>
+            <a:solidFill>
+              <a:schemeClr val="bg1"/>
+            </a:solidFill>
+          </p:spPr>
+          <p:txBody>
+            <a:bodyPr wrap="none" rtlCol="0">
+              <a:spAutoFit/>
+            </a:bodyPr>
+            <a:lstStyle/>
+            <a:p>
+              <a:pPr algn="r"/>
+              <a:r>
+                <a:rPr lang="en-US" sz="1100" dirty="0">
+                  <a:latin typeface="Arial" panose="020B0604020202020204" pitchFamily="34" charset="0"/>
+                  <a:cs typeface="Arial" panose="020B0604020202020204" pitchFamily="34" charset="0"/>
+                </a:rPr>
+                <a:t>N:205I</a:t>
+              </a:r>
+              <a:endParaRPr lang="en-US" sz="1200" dirty="0">
+                <a:latin typeface="Arial" panose="020B0604020202020204" pitchFamily="34" charset="0"/>
+                <a:cs typeface="Arial" panose="020B0604020202020204" pitchFamily="34" charset="0"/>
+              </a:endParaRPr>
+            </a:p>
+          </p:txBody>
+        </p:sp>
+        <p:sp>
+          <p:nvSpPr>
+            <p:cNvPr id="16" name="TextBox 15">
+              <a:extLst>
+                <a:ext uri="{FF2B5EF4-FFF2-40B4-BE49-F238E27FC236}">
+                  <a16:creationId xmlns:a16="http://schemas.microsoft.com/office/drawing/2014/main" id="{EE19AC2F-32F8-6644-84D4-56D2D052F8BF}"/>
+                </a:ext>
+              </a:extLst>
+            </p:cNvPr>
+            <p:cNvSpPr txBox="1"/>
+            <p:nvPr/>
+          </p:nvSpPr>
+          <p:spPr>
+            <a:xfrm rot="-2400000">
+              <a:off x="986328" y="4352480"/>
+              <a:ext cx="561372" cy="261610"/>
+            </a:xfrm>
+            <a:prstGeom prst="rect">
+              <a:avLst/>
+            </a:prstGeom>
+            <a:solidFill>
+              <a:schemeClr val="bg1"/>
+            </a:solidFill>
+          </p:spPr>
+          <p:txBody>
+            <a:bodyPr wrap="none" rtlCol="0">
+              <a:spAutoFit/>
+            </a:bodyPr>
+            <a:lstStyle/>
+            <a:p>
+              <a:pPr algn="r"/>
+              <a:r>
+                <a:rPr lang="en-US" sz="1100" dirty="0">
+                  <a:latin typeface="Arial" panose="020B0604020202020204" pitchFamily="34" charset="0"/>
+                  <a:cs typeface="Arial" panose="020B0604020202020204" pitchFamily="34" charset="0"/>
+                </a:rPr>
+                <a:t>S:18F</a:t>
+              </a:r>
+              <a:endParaRPr lang="en-US" sz="1200" dirty="0">
+                <a:latin typeface="Arial" panose="020B0604020202020204" pitchFamily="34" charset="0"/>
+                <a:cs typeface="Arial" panose="020B0604020202020204" pitchFamily="34" charset="0"/>
+              </a:endParaRPr>
+            </a:p>
+          </p:txBody>
+        </p:sp>
+        <p:sp>
+          <p:nvSpPr>
+            <p:cNvPr id="17" name="TextBox 16">
+              <a:extLst>
+                <a:ext uri="{FF2B5EF4-FFF2-40B4-BE49-F238E27FC236}">
+                  <a16:creationId xmlns:a16="http://schemas.microsoft.com/office/drawing/2014/main" id="{B6FF589D-A717-8E41-A808-62CC1DCE7F90}"/>
+                </a:ext>
+              </a:extLst>
+            </p:cNvPr>
+            <p:cNvSpPr txBox="1"/>
+            <p:nvPr/>
+          </p:nvSpPr>
+          <p:spPr>
+            <a:xfrm rot="-2400000">
+              <a:off x="938316" y="4698136"/>
+              <a:ext cx="599844" cy="261610"/>
+            </a:xfrm>
+            <a:prstGeom prst="rect">
+              <a:avLst/>
+            </a:prstGeom>
+            <a:solidFill>
+              <a:schemeClr val="bg1"/>
+            </a:solidFill>
+          </p:spPr>
+          <p:txBody>
+            <a:bodyPr wrap="none" rtlCol="0">
+              <a:spAutoFit/>
+            </a:bodyPr>
+            <a:lstStyle/>
+            <a:p>
+              <a:pPr algn="r"/>
+              <a:r>
+                <a:rPr lang="en-US" sz="1100" dirty="0">
+                  <a:latin typeface="Arial" panose="020B0604020202020204" pitchFamily="34" charset="0"/>
+                  <a:cs typeface="Arial" panose="020B0604020202020204" pitchFamily="34" charset="0"/>
+                </a:rPr>
+                <a:t>S:144-</a:t>
+              </a:r>
+              <a:endParaRPr lang="en-US" sz="1200" dirty="0">
+                <a:latin typeface="Arial" panose="020B0604020202020204" pitchFamily="34" charset="0"/>
+                <a:cs typeface="Arial" panose="020B0604020202020204" pitchFamily="34" charset="0"/>
+              </a:endParaRPr>
+            </a:p>
+          </p:txBody>
+        </p:sp>
+        <p:sp>
+          <p:nvSpPr>
+            <p:cNvPr id="18" name="TextBox 17">
+              <a:extLst>
+                <a:ext uri="{FF2B5EF4-FFF2-40B4-BE49-F238E27FC236}">
+                  <a16:creationId xmlns:a16="http://schemas.microsoft.com/office/drawing/2014/main" id="{B341C588-3D0D-3746-8D13-66C0D1C78918}"/>
+                </a:ext>
+              </a:extLst>
+            </p:cNvPr>
+            <p:cNvSpPr txBox="1"/>
+            <p:nvPr/>
+          </p:nvSpPr>
+          <p:spPr>
+            <a:xfrm rot="-2400000">
+              <a:off x="906881" y="5337250"/>
+              <a:ext cx="647934" cy="261610"/>
+            </a:xfrm>
+            <a:prstGeom prst="rect">
+              <a:avLst/>
+            </a:prstGeom>
+            <a:solidFill>
+              <a:schemeClr val="bg1"/>
+            </a:solidFill>
+          </p:spPr>
+          <p:txBody>
+            <a:bodyPr wrap="none" rtlCol="0">
+              <a:spAutoFit/>
+            </a:bodyPr>
+            <a:lstStyle/>
+            <a:p>
+              <a:pPr algn="r"/>
+              <a:r>
+                <a:rPr lang="en-US" sz="1100" dirty="0">
+                  <a:latin typeface="Arial" panose="020B0604020202020204" pitchFamily="34" charset="0"/>
+                  <a:cs typeface="Arial" panose="020B0604020202020204" pitchFamily="34" charset="0"/>
+                </a:rPr>
+                <a:t>S:501Y</a:t>
+              </a:r>
+              <a:endParaRPr lang="en-US" sz="1200" dirty="0">
+                <a:latin typeface="Arial" panose="020B0604020202020204" pitchFamily="34" charset="0"/>
+                <a:cs typeface="Arial" panose="020B0604020202020204" pitchFamily="34" charset="0"/>
+              </a:endParaRPr>
+            </a:p>
+          </p:txBody>
+        </p:sp>
+        <p:sp>
+          <p:nvSpPr>
+            <p:cNvPr id="19" name="TextBox 18">
+              <a:extLst>
+                <a:ext uri="{FF2B5EF4-FFF2-40B4-BE49-F238E27FC236}">
+                  <a16:creationId xmlns:a16="http://schemas.microsoft.com/office/drawing/2014/main" id="{C40552A7-DA3D-CD45-BE30-0DDA1E78EC49}"/>
+                </a:ext>
+              </a:extLst>
+            </p:cNvPr>
+            <p:cNvSpPr txBox="1"/>
+            <p:nvPr/>
+          </p:nvSpPr>
+          <p:spPr>
+            <a:xfrm rot="-2400000">
+              <a:off x="902873" y="5028805"/>
+              <a:ext cx="655950" cy="261610"/>
+            </a:xfrm>
+            <a:prstGeom prst="rect">
+              <a:avLst/>
+            </a:prstGeom>
+            <a:solidFill>
+              <a:schemeClr val="bg1"/>
+            </a:solidFill>
+          </p:spPr>
+          <p:txBody>
+            <a:bodyPr wrap="none" rtlCol="0">
+              <a:spAutoFit/>
+            </a:bodyPr>
+            <a:lstStyle/>
+            <a:p>
+              <a:pPr algn="r"/>
+              <a:r>
+                <a:rPr lang="en-US" sz="1100" dirty="0">
+                  <a:latin typeface="Arial" panose="020B0604020202020204" pitchFamily="34" charset="0"/>
+                  <a:cs typeface="Arial" panose="020B0604020202020204" pitchFamily="34" charset="0"/>
+                </a:rPr>
+                <a:t>S:681H</a:t>
+              </a:r>
+              <a:endParaRPr lang="en-US" sz="1200" dirty="0">
+                <a:latin typeface="Arial" panose="020B0604020202020204" pitchFamily="34" charset="0"/>
+                <a:cs typeface="Arial" panose="020B0604020202020204" pitchFamily="34" charset="0"/>
+              </a:endParaRPr>
+            </a:p>
+          </p:txBody>
+        </p:sp>
+      </p:grpSp>
     </p:spTree>
     <p:extLst>
       <p:ext uri="{BB962C8B-B14F-4D97-AF65-F5344CB8AC3E}">
